--- a/스크립트언어 1차 프로젝트.pptx
+++ b/스크립트언어 1차 프로젝트.pptx
@@ -186,7 +186,7 @@
 <file path=ppt/revisionInfo.xml><?xml version="1.0" encoding="utf-8"?>
 <p1510:revInfo xmlns:a="http://schemas.openxmlformats.org/drawingml/2006/main" xmlns:r="http://schemas.openxmlformats.org/officeDocument/2006/relationships" xmlns:p1510="http://schemas.microsoft.com/office/powerpoint/2015/10/main">
   <p1510:revLst>
-    <p1510:client id="{3C26AE84-DA0D-4FB8-BB61-33D1B05D260B}" v="10" dt="2023-04-29T12:35:33.229"/>
+    <p1510:client id="{3C26AE84-DA0D-4FB8-BB61-33D1B05D260B}" v="12" dt="2023-04-29T16:52:28.826"/>
   </p1510:revLst>
 </p1510:revInfo>
 </file>
@@ -196,7 +196,7 @@
   <pc:docChgLst>
     <pc:chgData name="강승호(2019182001)" userId="6de2bb29-096e-4df2-aecc-2592cf8051a5" providerId="ADAL" clId="{3C26AE84-DA0D-4FB8-BB61-33D1B05D260B}"/>
     <pc:docChg chg="undo custSel addSld delSld modSld sldOrd">
-      <pc:chgData name="강승호(2019182001)" userId="6de2bb29-096e-4df2-aecc-2592cf8051a5" providerId="ADAL" clId="{3C26AE84-DA0D-4FB8-BB61-33D1B05D260B}" dt="2023-04-29T15:02:08.347" v="2203"/>
+      <pc:chgData name="강승호(2019182001)" userId="6de2bb29-096e-4df2-aecc-2592cf8051a5" providerId="ADAL" clId="{3C26AE84-DA0D-4FB8-BB61-33D1B05D260B}" dt="2023-04-29T16:55:30.522" v="2391" actId="20577"/>
       <pc:docMkLst>
         <pc:docMk/>
       </pc:docMkLst>
@@ -500,7 +500,7 @@
         </pc:picChg>
       </pc:sldChg>
       <pc:sldChg chg="addSp delSp modSp new mod">
-        <pc:chgData name="강승호(2019182001)" userId="6de2bb29-096e-4df2-aecc-2592cf8051a5" providerId="ADAL" clId="{3C26AE84-DA0D-4FB8-BB61-33D1B05D260B}" dt="2023-04-29T14:50:47.249" v="1406" actId="1076"/>
+        <pc:chgData name="강승호(2019182001)" userId="6de2bb29-096e-4df2-aecc-2592cf8051a5" providerId="ADAL" clId="{3C26AE84-DA0D-4FB8-BB61-33D1B05D260B}" dt="2023-04-29T16:55:30.522" v="2391" actId="20577"/>
         <pc:sldMkLst>
           <pc:docMk/>
           <pc:sldMk cId="467135186" sldId="455"/>
@@ -514,7 +514,7 @@
           </ac:spMkLst>
         </pc:spChg>
         <pc:spChg chg="mod">
-          <ac:chgData name="강승호(2019182001)" userId="6de2bb29-096e-4df2-aecc-2592cf8051a5" providerId="ADAL" clId="{3C26AE84-DA0D-4FB8-BB61-33D1B05D260B}" dt="2023-04-29T14:49:32.432" v="1400" actId="20577"/>
+          <ac:chgData name="강승호(2019182001)" userId="6de2bb29-096e-4df2-aecc-2592cf8051a5" providerId="ADAL" clId="{3C26AE84-DA0D-4FB8-BB61-33D1B05D260B}" dt="2023-04-29T16:55:30.522" v="2391" actId="20577"/>
           <ac:spMkLst>
             <pc:docMk/>
             <pc:sldMk cId="467135186" sldId="455"/>
@@ -529,6 +529,14 @@
             <ac:spMk id="4" creationId="{A5AD20C5-6864-CC7E-84E0-B8D342E32921}"/>
           </ac:spMkLst>
         </pc:spChg>
+        <pc:spChg chg="add del">
+          <ac:chgData name="강승호(2019182001)" userId="6de2bb29-096e-4df2-aecc-2592cf8051a5" providerId="ADAL" clId="{3C26AE84-DA0D-4FB8-BB61-33D1B05D260B}" dt="2023-04-29T16:52:28.825" v="2241"/>
+          <ac:spMkLst>
+            <pc:docMk/>
+            <pc:sldMk cId="467135186" sldId="455"/>
+            <ac:spMk id="4" creationId="{C8F99293-03A3-AFB5-27F3-86FBC3064004}"/>
+          </ac:spMkLst>
+        </pc:spChg>
         <pc:picChg chg="add mod">
           <ac:chgData name="강승호(2019182001)" userId="6de2bb29-096e-4df2-aecc-2592cf8051a5" providerId="ADAL" clId="{3C26AE84-DA0D-4FB8-BB61-33D1B05D260B}" dt="2023-04-29T14:50:47.249" v="1406" actId="1076"/>
           <ac:picMkLst>
@@ -539,7 +547,7 @@
         </pc:picChg>
       </pc:sldChg>
       <pc:sldChg chg="addSp delSp modSp new mod">
-        <pc:chgData name="강승호(2019182001)" userId="6de2bb29-096e-4df2-aecc-2592cf8051a5" providerId="ADAL" clId="{3C26AE84-DA0D-4FB8-BB61-33D1B05D260B}" dt="2023-04-29T14:58:25.730" v="1909" actId="1076"/>
+        <pc:chgData name="강승호(2019182001)" userId="6de2bb29-096e-4df2-aecc-2592cf8051a5" providerId="ADAL" clId="{3C26AE84-DA0D-4FB8-BB61-33D1B05D260B}" dt="2023-04-29T16:52:04.098" v="2216" actId="14100"/>
         <pc:sldMkLst>
           <pc:docMk/>
           <pc:sldMk cId="387011423" sldId="456"/>
@@ -553,7 +561,7 @@
           </ac:spMkLst>
         </pc:spChg>
         <pc:spChg chg="mod">
-          <ac:chgData name="강승호(2019182001)" userId="6de2bb29-096e-4df2-aecc-2592cf8051a5" providerId="ADAL" clId="{3C26AE84-DA0D-4FB8-BB61-33D1B05D260B}" dt="2023-04-29T14:57:33.948" v="1905" actId="20577"/>
+          <ac:chgData name="강승호(2019182001)" userId="6de2bb29-096e-4df2-aecc-2592cf8051a5" providerId="ADAL" clId="{3C26AE84-DA0D-4FB8-BB61-33D1B05D260B}" dt="2023-04-29T16:52:04.098" v="2216" actId="14100"/>
           <ac:spMkLst>
             <pc:docMk/>
             <pc:sldMk cId="387011423" sldId="456"/>
@@ -723,7 +731,7 @@
                 <a:latin typeface="+mj-ea"/>
                 <a:ea typeface="+mj-ea"/>
               </a:rPr>
-              <a:t>2023-04-29</a:t>
+              <a:t>2023-04-30</a:t>
             </a:fld>
             <a:endParaRPr lang="ko-KR" altLang="en-US">
               <a:latin typeface="+mj-ea"/>
@@ -925,7 +933,7 @@
             <a:fld id="{5DFE6015-D17D-4A89-BACB-11ECEBE378D2}" type="datetime1">
               <a:rPr lang="ko-KR" altLang="en-US" smtClean="0"/>
               <a:pPr/>
-              <a:t>2023-04-29</a:t>
+              <a:t>2023-04-30</a:t>
             </a:fld>
             <a:endParaRPr lang="ko-KR" altLang="en-US" dirty="0"/>
           </a:p>
@@ -5686,7 +5694,7 @@
           <a:p>
             <a:fld id="{E08B19A1-158D-47B0-81C4-A6E89F610398}" type="datetime1">
               <a:rPr lang="ko-KR" altLang="en-US" noProof="0" smtClean="0"/>
-              <a:t>2023-04-29</a:t>
+              <a:t>2023-04-30</a:t>
             </a:fld>
             <a:endParaRPr lang="ko-KR" altLang="en-US" noProof="0">
               <a:latin typeface="맑은 고딕" panose="020B0503020000020004" pitchFamily="50" charset="-127"/>
@@ -6235,7 +6243,7 @@
           <a:p>
             <a:fld id="{0A6C8E79-ACD3-471D-9582-220312AEAADE}" type="datetime1">
               <a:rPr lang="ko-KR" altLang="en-US" smtClean="0"/>
-              <a:t>2023-04-29</a:t>
+              <a:t>2023-04-30</a:t>
             </a:fld>
             <a:endParaRPr lang="ko-KR" altLang="en-US">
               <a:latin typeface="맑은 고딕" panose="020B0503020000020004" pitchFamily="50" charset="-127"/>
@@ -6781,7 +6789,7 @@
           <a:p>
             <a:fld id="{7FF58F74-51FF-42AF-942C-56F870E00949}" type="datetime1">
               <a:rPr lang="ko-KR" altLang="en-US" smtClean="0"/>
-              <a:t>2023-04-29</a:t>
+              <a:t>2023-04-30</a:t>
             </a:fld>
             <a:endParaRPr lang="ko-KR" altLang="en-US">
               <a:latin typeface="맑은 고딕" panose="020B0503020000020004" pitchFamily="50" charset="-127"/>
@@ -7327,7 +7335,7 @@
           <a:p>
             <a:fld id="{D98AF4E5-1C46-4F4A-AE4C-C2E45D0155AE}" type="datetime1">
               <a:rPr lang="ko-KR" altLang="en-US" smtClean="0"/>
-              <a:t>2023-04-29</a:t>
+              <a:t>2023-04-30</a:t>
             </a:fld>
             <a:endParaRPr lang="ko-KR" altLang="en-US">
               <a:latin typeface="맑은 고딕" panose="020B0503020000020004" pitchFamily="50" charset="-127"/>
@@ -9049,6 +9057,42 @@
             </a:r>
             <a:r>
               <a:rPr lang="en-US" altLang="ko-KR" dirty="0"/>
+              <a:t>. </a:t>
+            </a:r>
+            <a:r>
+              <a:rPr lang="ko-KR" altLang="en-US" dirty="0"/>
+              <a:t>변환을 위해 </a:t>
+            </a:r>
+            <a:r>
+              <a:rPr lang="en-US" altLang="ko-KR" dirty="0" err="1"/>
+              <a:t>comtypes</a:t>
+            </a:r>
+            <a:r>
+              <a:rPr lang="en-US" altLang="ko-KR" dirty="0"/>
+              <a:t> </a:t>
+            </a:r>
+            <a:r>
+              <a:rPr lang="ko-KR" altLang="en-US" dirty="0"/>
+              <a:t>라이브러리 사용했습니다</a:t>
+            </a:r>
+            <a:r>
+              <a:rPr lang="en-US" altLang="ko-KR" dirty="0"/>
+              <a:t>. </a:t>
+            </a:r>
+            <a:r>
+              <a:rPr lang="ko-KR" altLang="en-US" dirty="0"/>
+              <a:t>오피스 파일을 </a:t>
+            </a:r>
+            <a:r>
+              <a:rPr lang="en-US" altLang="ko-KR" dirty="0"/>
+              <a:t>COM</a:t>
+            </a:r>
+            <a:r>
+              <a:rPr lang="ko-KR" altLang="en-US" dirty="0"/>
+              <a:t>인터페이스를 통해 문서를 열어 변환작업을 합니다</a:t>
+            </a:r>
+            <a:r>
+              <a:rPr lang="en-US" altLang="ko-KR"/>
               <a:t>.</a:t>
             </a:r>
             <a:endParaRPr lang="ko-KR" altLang="en-US" dirty="0"/>
@@ -9159,7 +9203,12 @@
             <p:ph type="body" sz="quarter" idx="14"/>
           </p:nvPr>
         </p:nvSpPr>
-        <p:spPr/>
+        <p:spPr>
+          <a:xfrm>
+            <a:off x="457200" y="2779776"/>
+            <a:ext cx="3465576" cy="3594898"/>
+          </a:xfrm>
+        </p:spPr>
         <p:txBody>
           <a:bodyPr/>
           <a:lstStyle/>
@@ -9175,8 +9224,12 @@
           </a:p>
           <a:p>
             <a:r>
+              <a:rPr lang="ko-KR" altLang="en-US" dirty="0" err="1"/>
+              <a:t>파일별</a:t>
+            </a:r>
+            <a:r>
               <a:rPr lang="ko-KR" altLang="en-US" dirty="0"/>
-              <a:t>인코딩을 자동으로 인식하기 위해 </a:t>
+              <a:t> 인코딩을 자동으로 인식하기 위해 </a:t>
             </a:r>
             <a:r>
               <a:rPr lang="en-US" altLang="ko-KR" dirty="0" err="1"/>
